--- a/ppt/DataForge.pptx
+++ b/ppt/DataForge.pptx
@@ -5,7 +5,7 @@
     <p:sldMasterId id="2147483650" r:id="rId1"/>
   </p:sldMasterIdLst>
   <p:notesMasterIdLst>
-    <p:notesMasterId r:id="rId17"/>
+    <p:notesMasterId r:id="rId18"/>
   </p:notesMasterIdLst>
   <p:sldIdLst>
     <p:sldId id="261" r:id="rId2"/>
@@ -23,6 +23,7 @@
     <p:sldId id="341" r:id="rId14"/>
     <p:sldId id="332" r:id="rId15"/>
     <p:sldId id="295" r:id="rId16"/>
+    <p:sldId id="352" r:id="rId17"/>
   </p:sldIdLst>
   <p:sldSz cx="19477038" cy="10972800"/>
   <p:notesSz cx="6858000" cy="9144000"/>
@@ -321,7 +322,7 @@
           <a:p>
             <a:fld id="{E8896E86-5E67-4DFC-9D7D-D598240582E8}" type="datetimeFigureOut">
               <a:rPr lang="en-US" smtClean="0"/>
-              <a:t>10/10/2024</a:t>
+              <a:t>10/11/2024</a:t>
             </a:fld>
             <a:endParaRPr lang="en-US"/>
           </a:p>
@@ -3107,8 +3108,8 @@
           <a:chExt cx="0" cy="0"/>
         </a:xfrm>
       </p:grpSpPr>
-      <mc:AlternateContent xmlns:mc="http://schemas.openxmlformats.org/markup-compatibility/2006">
-        <mc:Choice xmlns:p14="http://schemas.microsoft.com/office/powerpoint/2010/main" Requires="p14">
+      <mc:AlternateContent xmlns:mc="http://schemas.openxmlformats.org/markup-compatibility/2006" xmlns:p14="http://schemas.microsoft.com/office/powerpoint/2010/main">
+        <mc:Choice Requires="p14">
           <p:contentPart p14:bwMode="auto" r:id="rId2">
             <p14:nvContentPartPr>
               <p14:cNvPr id="4" name="Ink 3">
@@ -3127,7 +3128,7 @@
             </p14:xfrm>
           </p:contentPart>
         </mc:Choice>
-        <mc:Fallback>
+        <mc:Fallback xmlns="">
           <p:pic>
             <p:nvPicPr>
               <p:cNvPr id="4" name="Ink 3">
@@ -3158,8 +3159,8 @@
           </p:pic>
         </mc:Fallback>
       </mc:AlternateContent>
-      <mc:AlternateContent xmlns:mc="http://schemas.openxmlformats.org/markup-compatibility/2006">
-        <mc:Choice xmlns:p14="http://schemas.microsoft.com/office/powerpoint/2010/main" Requires="p14">
+      <mc:AlternateContent xmlns:mc="http://schemas.openxmlformats.org/markup-compatibility/2006" xmlns:p14="http://schemas.microsoft.com/office/powerpoint/2010/main">
+        <mc:Choice Requires="p14">
           <p:contentPart p14:bwMode="auto" r:id="rId4">
             <p14:nvContentPartPr>
               <p14:cNvPr id="5" name="Ink 4">
@@ -3178,7 +3179,7 @@
             </p14:xfrm>
           </p:contentPart>
         </mc:Choice>
-        <mc:Fallback>
+        <mc:Fallback xmlns="">
           <p:pic>
             <p:nvPicPr>
               <p:cNvPr id="5" name="Ink 4">
@@ -3209,8 +3210,8 @@
           </p:pic>
         </mc:Fallback>
       </mc:AlternateContent>
-      <mc:AlternateContent xmlns:mc="http://schemas.openxmlformats.org/markup-compatibility/2006">
-        <mc:Choice xmlns:p14="http://schemas.microsoft.com/office/powerpoint/2010/main" xmlns:aink="http://schemas.microsoft.com/office/drawing/2016/ink" Requires="p14 aink">
+      <mc:AlternateContent xmlns:mc="http://schemas.openxmlformats.org/markup-compatibility/2006" xmlns:p14="http://schemas.microsoft.com/office/powerpoint/2010/main" xmlns:aink="http://schemas.microsoft.com/office/drawing/2016/ink">
+        <mc:Choice Requires="p14 aink">
           <p:contentPart p14:bwMode="auto" r:id="rId5">
             <p14:nvContentPartPr>
               <p14:cNvPr id="10" name="Ink 9">
@@ -3229,7 +3230,7 @@
             </p14:xfrm>
           </p:contentPart>
         </mc:Choice>
-        <mc:Fallback>
+        <mc:Fallback xmlns="">
           <p:pic>
             <p:nvPicPr>
               <p:cNvPr id="10" name="Ink 9">
@@ -3260,8 +3261,8 @@
           </p:pic>
         </mc:Fallback>
       </mc:AlternateContent>
-      <mc:AlternateContent xmlns:mc="http://schemas.openxmlformats.org/markup-compatibility/2006">
-        <mc:Choice xmlns:p14="http://schemas.microsoft.com/office/powerpoint/2010/main" xmlns:aink="http://schemas.microsoft.com/office/drawing/2016/ink" Requires="p14 aink">
+      <mc:AlternateContent xmlns:mc="http://schemas.openxmlformats.org/markup-compatibility/2006" xmlns:p14="http://schemas.microsoft.com/office/powerpoint/2010/main" xmlns:aink="http://schemas.microsoft.com/office/drawing/2016/ink">
+        <mc:Choice Requires="p14 aink">
           <p:contentPart p14:bwMode="auto" r:id="rId7">
             <p14:nvContentPartPr>
               <p14:cNvPr id="11" name="Ink 10">
@@ -3280,7 +3281,7 @@
             </p14:xfrm>
           </p:contentPart>
         </mc:Choice>
-        <mc:Fallback>
+        <mc:Fallback xmlns="">
           <p:pic>
             <p:nvPicPr>
               <p:cNvPr id="11" name="Ink 10">
@@ -16358,7 +16359,7 @@
           </a:effectLst>
           <a:extLst>
             <a:ext uri="{91240B29-F687-4f45-9708-019B960494DF}">
-              <a14:hiddenLine xmlns="" xmlns:a14="http://schemas.microsoft.com/office/drawing/2010/main" w="9525">
+              <a14:hiddenLine xmlns:a14="http://schemas.microsoft.com/office/drawing/2010/main" xmlns="" w="9525">
                 <a:solidFill>
                   <a:srgbClr val="000000"/>
                 </a:solidFill>
@@ -17458,7 +17459,7 @@
           <a:effectLst/>
           <a:extLst>
             <a:ext uri="{91240B29-F687-4f45-9708-019B960494DF}">
-              <a14:hiddenLine xmlns:a14="http://schemas.microsoft.com/office/drawing/2010/main" xmlns="" w="9525" cap="flat">
+              <a14:hiddenLine xmlns="" xmlns:a14="http://schemas.microsoft.com/office/drawing/2010/main" w="9525" cap="flat">
                 <a:solidFill>
                   <a:srgbClr val="808080"/>
                 </a:solidFill>
@@ -17468,7 +17469,7 @@
               </a14:hiddenLine>
             </a:ext>
             <a:ext uri="{AF507438-7753-43e0-B8FC-AC1667EBCBE1}">
-              <a14:hiddenEffects xmlns:a14="http://schemas.microsoft.com/office/drawing/2010/main" xmlns="">
+              <a14:hiddenEffects xmlns="" xmlns:a14="http://schemas.microsoft.com/office/drawing/2010/main">
                 <a:effectLst>
                   <a:outerShdw blurRad="63500" dist="38099" dir="2700000" algn="ctr" rotWithShape="0">
                     <a:srgbClr val="000000">
@@ -17955,7 +17956,7 @@
           <a:effectLst/>
           <a:extLst>
             <a:ext uri="{91240B29-F687-4f45-9708-019B960494DF}">
-              <a14:hiddenLine xmlns:a14="http://schemas.microsoft.com/office/drawing/2010/main" xmlns="" w="9525" cap="flat">
+              <a14:hiddenLine xmlns="" xmlns:a14="http://schemas.microsoft.com/office/drawing/2010/main" w="9525" cap="flat">
                 <a:solidFill>
                   <a:srgbClr val="808080"/>
                 </a:solidFill>
@@ -17965,7 +17966,7 @@
               </a14:hiddenLine>
             </a:ext>
             <a:ext uri="{AF507438-7753-43e0-B8FC-AC1667EBCBE1}">
-              <a14:hiddenEffects xmlns:a14="http://schemas.microsoft.com/office/drawing/2010/main" xmlns="">
+              <a14:hiddenEffects xmlns="" xmlns:a14="http://schemas.microsoft.com/office/drawing/2010/main">
                 <a:effectLst>
                   <a:outerShdw blurRad="63500" dist="38099" dir="2700000" algn="ctr" rotWithShape="0">
                     <a:srgbClr val="000000">
@@ -18557,6 +18558,279 @@
     <p:extLst>
       <p:ext uri="{BB962C8B-B14F-4D97-AF65-F5344CB8AC3E}">
         <p14:creationId xmlns:p14="http://schemas.microsoft.com/office/powerpoint/2010/main" val="2886112006"/>
+      </p:ext>
+    </p:extLst>
+  </p:cSld>
+  <p:clrMapOvr>
+    <a:masterClrMapping/>
+  </p:clrMapOvr>
+  <mc:AlternateContent xmlns:mc="http://schemas.openxmlformats.org/markup-compatibility/2006" xmlns:p159="http://schemas.microsoft.com/office/powerpoint/2015/09/main">
+    <mc:Choice Requires="p159">
+      <p:transition xmlns:p14="http://schemas.microsoft.com/office/powerpoint/2010/main" spd="slow" p14:dur="2000">
+        <p159:morph option="byObject"/>
+      </p:transition>
+    </mc:Choice>
+    <mc:Fallback xmlns="">
+      <p:transition spd="slow">
+        <p:fade/>
+      </p:transition>
+    </mc:Fallback>
+  </mc:AlternateContent>
+</p:sld>
+</file>
+
+<file path=ppt/slides/slide16.xml><?xml version="1.0" encoding="utf-8"?>
+<p:sld xmlns:a="http://schemas.openxmlformats.org/drawingml/2006/main" xmlns:r="http://schemas.openxmlformats.org/officeDocument/2006/relationships" xmlns:p="http://schemas.openxmlformats.org/presentationml/2006/main">
+  <p:cSld>
+    <p:spTree>
+      <p:nvGrpSpPr>
+        <p:cNvPr id="1" name="">
+          <a:extLst>
+            <a:ext uri="{FF2B5EF4-FFF2-40B4-BE49-F238E27FC236}">
+              <a16:creationId xmlns:a16="http://schemas.microsoft.com/office/drawing/2014/main" id="{5AA5D7AF-60D4-3F3F-B5BF-8A87628632C4}"/>
+            </a:ext>
+          </a:extLst>
+        </p:cNvPr>
+        <p:cNvGrpSpPr/>
+        <p:nvPr/>
+      </p:nvGrpSpPr>
+      <p:grpSpPr>
+        <a:xfrm>
+          <a:off x="0" y="0"/>
+          <a:ext cx="0" cy="0"/>
+          <a:chOff x="0" y="0"/>
+          <a:chExt cx="0" cy="0"/>
+        </a:xfrm>
+      </p:grpSpPr>
+      <p:sp>
+        <p:nvSpPr>
+          <p:cNvPr id="71" name="Text Placeholder 2">
+            <a:extLst>
+              <a:ext uri="{FF2B5EF4-FFF2-40B4-BE49-F238E27FC236}">
+                <a16:creationId xmlns:a16="http://schemas.microsoft.com/office/drawing/2014/main" id="{DC55EDD9-8732-FF17-29B7-8B60D6F90ABD}"/>
+              </a:ext>
+            </a:extLst>
+          </p:cNvPr>
+          <p:cNvSpPr txBox="1">
+            <a:spLocks/>
+          </p:cNvSpPr>
+          <p:nvPr/>
+        </p:nvSpPr>
+        <p:spPr>
+          <a:xfrm>
+            <a:off x="4772497" y="4661711"/>
+            <a:ext cx="9932044" cy="1649378"/>
+          </a:xfrm>
+          <a:prstGeom prst="rect">
+            <a:avLst/>
+          </a:prstGeom>
+        </p:spPr>
+        <p:txBody>
+          <a:bodyPr/>
+          <a:lstStyle>
+            <a:lvl1pPr marL="0" indent="0" algn="ctr" defTabSz="1460754" rtl="0" eaLnBrk="1" latinLnBrk="0" hangingPunct="1">
+              <a:lnSpc>
+                <a:spcPct val="90000"/>
+              </a:lnSpc>
+              <a:spcBef>
+                <a:spcPts val="1598"/>
+              </a:spcBef>
+              <a:buFont typeface="Arial" panose="020B0604020202020204" pitchFamily="34" charset="0"/>
+              <a:buNone/>
+              <a:defRPr sz="4000" kern="1200">
+                <a:solidFill>
+                  <a:schemeClr val="tx1">
+                    <a:lumMod val="65000"/>
+                    <a:lumOff val="35000"/>
+                  </a:schemeClr>
+                </a:solidFill>
+                <a:latin typeface="+mn-lt"/>
+                <a:ea typeface="+mn-ea"/>
+                <a:cs typeface="+mn-cs"/>
+              </a:defRPr>
+            </a:lvl1pPr>
+            <a:lvl2pPr marL="1095566" indent="-365189" algn="l" defTabSz="1460754" rtl="0" eaLnBrk="1" latinLnBrk="0" hangingPunct="1">
+              <a:lnSpc>
+                <a:spcPct val="90000"/>
+              </a:lnSpc>
+              <a:spcBef>
+                <a:spcPts val="799"/>
+              </a:spcBef>
+              <a:buFont typeface="Arial" panose="020B0604020202020204" pitchFamily="34" charset="0"/>
+              <a:buChar char="•"/>
+              <a:defRPr sz="3834" kern="1200">
+                <a:solidFill>
+                  <a:schemeClr val="tx1"/>
+                </a:solidFill>
+                <a:latin typeface="+mn-lt"/>
+                <a:ea typeface="+mn-ea"/>
+                <a:cs typeface="+mn-cs"/>
+              </a:defRPr>
+            </a:lvl2pPr>
+            <a:lvl3pPr marL="1825943" indent="-365189" algn="l" defTabSz="1460754" rtl="0" eaLnBrk="1" latinLnBrk="0" hangingPunct="1">
+              <a:lnSpc>
+                <a:spcPct val="90000"/>
+              </a:lnSpc>
+              <a:spcBef>
+                <a:spcPts val="799"/>
+              </a:spcBef>
+              <a:buFont typeface="Arial" panose="020B0604020202020204" pitchFamily="34" charset="0"/>
+              <a:buChar char="•"/>
+              <a:defRPr sz="3195" kern="1200">
+                <a:solidFill>
+                  <a:schemeClr val="tx1"/>
+                </a:solidFill>
+                <a:latin typeface="+mn-lt"/>
+                <a:ea typeface="+mn-ea"/>
+                <a:cs typeface="+mn-cs"/>
+              </a:defRPr>
+            </a:lvl3pPr>
+            <a:lvl4pPr marL="2556320" indent="-365189" algn="l" defTabSz="1460754" rtl="0" eaLnBrk="1" latinLnBrk="0" hangingPunct="1">
+              <a:lnSpc>
+                <a:spcPct val="90000"/>
+              </a:lnSpc>
+              <a:spcBef>
+                <a:spcPts val="799"/>
+              </a:spcBef>
+              <a:buFont typeface="Arial" panose="020B0604020202020204" pitchFamily="34" charset="0"/>
+              <a:buChar char="•"/>
+              <a:defRPr sz="2876" kern="1200">
+                <a:solidFill>
+                  <a:schemeClr val="tx1"/>
+                </a:solidFill>
+                <a:latin typeface="+mn-lt"/>
+                <a:ea typeface="+mn-ea"/>
+                <a:cs typeface="+mn-cs"/>
+              </a:defRPr>
+            </a:lvl4pPr>
+            <a:lvl5pPr marL="3286697" indent="-365189" algn="l" defTabSz="1460754" rtl="0" eaLnBrk="1" latinLnBrk="0" hangingPunct="1">
+              <a:lnSpc>
+                <a:spcPct val="90000"/>
+              </a:lnSpc>
+              <a:spcBef>
+                <a:spcPts val="799"/>
+              </a:spcBef>
+              <a:buFont typeface="Arial" panose="020B0604020202020204" pitchFamily="34" charset="0"/>
+              <a:buChar char="•"/>
+              <a:defRPr sz="2876" kern="1200">
+                <a:solidFill>
+                  <a:schemeClr val="tx1"/>
+                </a:solidFill>
+                <a:latin typeface="+mn-lt"/>
+                <a:ea typeface="+mn-ea"/>
+                <a:cs typeface="+mn-cs"/>
+              </a:defRPr>
+            </a:lvl5pPr>
+            <a:lvl6pPr marL="4017074" indent="-365189" algn="l" defTabSz="1460754" rtl="0" eaLnBrk="1" latinLnBrk="0" hangingPunct="1">
+              <a:lnSpc>
+                <a:spcPct val="90000"/>
+              </a:lnSpc>
+              <a:spcBef>
+                <a:spcPts val="799"/>
+              </a:spcBef>
+              <a:buFont typeface="Arial" panose="020B0604020202020204" pitchFamily="34" charset="0"/>
+              <a:buChar char="•"/>
+              <a:defRPr sz="2876" kern="1200">
+                <a:solidFill>
+                  <a:schemeClr val="tx1"/>
+                </a:solidFill>
+                <a:latin typeface="+mn-lt"/>
+                <a:ea typeface="+mn-ea"/>
+                <a:cs typeface="+mn-cs"/>
+              </a:defRPr>
+            </a:lvl6pPr>
+            <a:lvl7pPr marL="4747451" indent="-365189" algn="l" defTabSz="1460754" rtl="0" eaLnBrk="1" latinLnBrk="0" hangingPunct="1">
+              <a:lnSpc>
+                <a:spcPct val="90000"/>
+              </a:lnSpc>
+              <a:spcBef>
+                <a:spcPts val="799"/>
+              </a:spcBef>
+              <a:buFont typeface="Arial" panose="020B0604020202020204" pitchFamily="34" charset="0"/>
+              <a:buChar char="•"/>
+              <a:defRPr sz="2876" kern="1200">
+                <a:solidFill>
+                  <a:schemeClr val="tx1"/>
+                </a:solidFill>
+                <a:latin typeface="+mn-lt"/>
+                <a:ea typeface="+mn-ea"/>
+                <a:cs typeface="+mn-cs"/>
+              </a:defRPr>
+            </a:lvl7pPr>
+            <a:lvl8pPr marL="5477828" indent="-365189" algn="l" defTabSz="1460754" rtl="0" eaLnBrk="1" latinLnBrk="0" hangingPunct="1">
+              <a:lnSpc>
+                <a:spcPct val="90000"/>
+              </a:lnSpc>
+              <a:spcBef>
+                <a:spcPts val="799"/>
+              </a:spcBef>
+              <a:buFont typeface="Arial" panose="020B0604020202020204" pitchFamily="34" charset="0"/>
+              <a:buChar char="•"/>
+              <a:defRPr sz="2876" kern="1200">
+                <a:solidFill>
+                  <a:schemeClr val="tx1"/>
+                </a:solidFill>
+                <a:latin typeface="+mn-lt"/>
+                <a:ea typeface="+mn-ea"/>
+                <a:cs typeface="+mn-cs"/>
+              </a:defRPr>
+            </a:lvl8pPr>
+            <a:lvl9pPr marL="6208205" indent="-365189" algn="l" defTabSz="1460754" rtl="0" eaLnBrk="1" latinLnBrk="0" hangingPunct="1">
+              <a:lnSpc>
+                <a:spcPct val="90000"/>
+              </a:lnSpc>
+              <a:spcBef>
+                <a:spcPts val="799"/>
+              </a:spcBef>
+              <a:buFont typeface="Arial" panose="020B0604020202020204" pitchFamily="34" charset="0"/>
+              <a:buChar char="•"/>
+              <a:defRPr sz="2876" kern="1200">
+                <a:solidFill>
+                  <a:schemeClr val="tx1"/>
+                </a:solidFill>
+                <a:latin typeface="+mn-lt"/>
+                <a:ea typeface="+mn-ea"/>
+                <a:cs typeface="+mn-cs"/>
+              </a:defRPr>
+            </a:lvl9pPr>
+          </a:lstStyle>
+          <a:p>
+            <a:r>
+              <a:rPr lang="en-US" sz="4800" dirty="0">
+                <a:solidFill>
+                  <a:schemeClr val="bg1"/>
+                </a:solidFill>
+                <a:effectLst>
+                  <a:outerShdw blurRad="1270000" dist="914400" dir="8100000" algn="tr" rotWithShape="0">
+                    <a:prstClr val="black">
+                      <a:alpha val="40000"/>
+                    </a:prstClr>
+                  </a:outerShdw>
+                </a:effectLst>
+                <a:latin typeface="Raleway SemiBold" panose="020B0703030101060003" pitchFamily="34" charset="0"/>
+              </a:rPr>
+              <a:t>Thanks</a:t>
+            </a:r>
+            <a:endParaRPr lang="id-ID" sz="4800" dirty="0">
+              <a:solidFill>
+                <a:schemeClr val="bg1"/>
+              </a:solidFill>
+              <a:effectLst>
+                <a:outerShdw blurRad="1270000" dist="914400" dir="8100000" algn="tr" rotWithShape="0">
+                  <a:prstClr val="black">
+                    <a:alpha val="40000"/>
+                  </a:prstClr>
+                </a:outerShdw>
+              </a:effectLst>
+              <a:latin typeface="Raleway SemiBold" panose="020B0703030101060003" pitchFamily="34" charset="0"/>
+            </a:endParaRPr>
+          </a:p>
+        </p:txBody>
+      </p:sp>
+    </p:spTree>
+    <p:extLst>
+      <p:ext uri="{BB962C8B-B14F-4D97-AF65-F5344CB8AC3E}">
+        <p14:creationId xmlns:p14="http://schemas.microsoft.com/office/powerpoint/2010/main" val="3042813740"/>
       </p:ext>
     </p:extLst>
   </p:cSld>
@@ -21777,7 +22051,7 @@
           <a:effectLst/>
           <a:extLst>
             <a:ext uri="{91240B29-F687-4f45-9708-019B960494DF}">
-              <a14:hiddenLine xmlns="" xmlns:a14="http://schemas.microsoft.com/office/drawing/2010/main" w="12700" cap="flat" cmpd="sng">
+              <a14:hiddenLine xmlns:a14="http://schemas.microsoft.com/office/drawing/2010/main" xmlns="" w="12700" cap="flat" cmpd="sng">
                 <a:solidFill>
                   <a:srgbClr val="000000"/>
                 </a:solidFill>
@@ -21788,7 +22062,7 @@
               </a14:hiddenLine>
             </a:ext>
             <a:ext uri="{AF507438-7753-43e0-B8FC-AC1667EBCBE1}">
-              <a14:hiddenEffects xmlns="" xmlns:a14="http://schemas.microsoft.com/office/drawing/2010/main">
+              <a14:hiddenEffects xmlns:a14="http://schemas.microsoft.com/office/drawing/2010/main" xmlns="">
                 <a:effectLst>
                   <a:outerShdw blurRad="63500" dist="38099" dir="2700000" algn="ctr" rotWithShape="0">
                     <a:srgbClr val="000000">
@@ -22024,7 +22298,7 @@
           <a:effectLst/>
           <a:extLst>
             <a:ext uri="{91240B29-F687-4f45-9708-019B960494DF}">
-              <a14:hiddenLine xmlns="" xmlns:a14="http://schemas.microsoft.com/office/drawing/2010/main" w="12700" cap="flat" cmpd="sng">
+              <a14:hiddenLine xmlns:a14="http://schemas.microsoft.com/office/drawing/2010/main" xmlns="" w="12700" cap="flat" cmpd="sng">
                 <a:solidFill>
                   <a:srgbClr val="000000"/>
                 </a:solidFill>
@@ -22035,7 +22309,7 @@
               </a14:hiddenLine>
             </a:ext>
             <a:ext uri="{AF507438-7753-43e0-B8FC-AC1667EBCBE1}">
-              <a14:hiddenEffects xmlns="" xmlns:a14="http://schemas.microsoft.com/office/drawing/2010/main">
+              <a14:hiddenEffects xmlns:a14="http://schemas.microsoft.com/office/drawing/2010/main" xmlns="">
                 <a:effectLst>
                   <a:outerShdw blurRad="63500" dist="38099" dir="2700000" algn="ctr" rotWithShape="0">
                     <a:srgbClr val="000000">
@@ -22168,7 +22442,7 @@
           <a:effectLst/>
           <a:extLst>
             <a:ext uri="{91240B29-F687-4f45-9708-019B960494DF}">
-              <a14:hiddenLine xmlns="" xmlns:a14="http://schemas.microsoft.com/office/drawing/2010/main" w="12700" cap="flat" cmpd="sng">
+              <a14:hiddenLine xmlns:a14="http://schemas.microsoft.com/office/drawing/2010/main" xmlns="" w="12700" cap="flat" cmpd="sng">
                 <a:solidFill>
                   <a:srgbClr val="000000"/>
                 </a:solidFill>
@@ -22179,7 +22453,7 @@
               </a14:hiddenLine>
             </a:ext>
             <a:ext uri="{AF507438-7753-43e0-B8FC-AC1667EBCBE1}">
-              <a14:hiddenEffects xmlns="" xmlns:a14="http://schemas.microsoft.com/office/drawing/2010/main">
+              <a14:hiddenEffects xmlns:a14="http://schemas.microsoft.com/office/drawing/2010/main" xmlns="">
                 <a:effectLst>
                   <a:outerShdw blurRad="63500" dist="38099" dir="2700000" algn="ctr" rotWithShape="0">
                     <a:srgbClr val="000000">
@@ -22479,7 +22753,7 @@
           <a:effectLst/>
           <a:extLst>
             <a:ext uri="{91240B29-F687-4f45-9708-019B960494DF}">
-              <a14:hiddenLine xmlns="" xmlns:a14="http://schemas.microsoft.com/office/drawing/2010/main" w="12700" cap="flat" cmpd="sng">
+              <a14:hiddenLine xmlns:a14="http://schemas.microsoft.com/office/drawing/2010/main" xmlns="" w="12700" cap="flat" cmpd="sng">
                 <a:solidFill>
                   <a:srgbClr val="000000"/>
                 </a:solidFill>
@@ -22490,7 +22764,7 @@
               </a14:hiddenLine>
             </a:ext>
             <a:ext uri="{AF507438-7753-43e0-B8FC-AC1667EBCBE1}">
-              <a14:hiddenEffects xmlns="" xmlns:a14="http://schemas.microsoft.com/office/drawing/2010/main">
+              <a14:hiddenEffects xmlns:a14="http://schemas.microsoft.com/office/drawing/2010/main" xmlns="">
                 <a:effectLst>
                   <a:outerShdw blurRad="63500" dist="38099" dir="2700000" algn="ctr" rotWithShape="0">
                     <a:srgbClr val="000000">
@@ -22623,7 +22897,7 @@
           <a:effectLst/>
           <a:extLst>
             <a:ext uri="{91240B29-F687-4f45-9708-019B960494DF}">
-              <a14:hiddenLine xmlns="" xmlns:a14="http://schemas.microsoft.com/office/drawing/2010/main" w="12700" cap="flat" cmpd="sng">
+              <a14:hiddenLine xmlns:a14="http://schemas.microsoft.com/office/drawing/2010/main" xmlns="" w="12700" cap="flat" cmpd="sng">
                 <a:solidFill>
                   <a:srgbClr val="000000"/>
                 </a:solidFill>
@@ -22634,7 +22908,7 @@
               </a14:hiddenLine>
             </a:ext>
             <a:ext uri="{AF507438-7753-43e0-B8FC-AC1667EBCBE1}">
-              <a14:hiddenEffects xmlns="" xmlns:a14="http://schemas.microsoft.com/office/drawing/2010/main">
+              <a14:hiddenEffects xmlns:a14="http://schemas.microsoft.com/office/drawing/2010/main" xmlns="">
                 <a:effectLst>
                   <a:outerShdw blurRad="63500" dist="38099" dir="2700000" algn="ctr" rotWithShape="0">
                     <a:srgbClr val="000000">
@@ -23033,7 +23307,7 @@
           <a:effectLst/>
           <a:extLst>
             <a:ext uri="{91240B29-F687-4f45-9708-019B960494DF}">
-              <a14:hiddenLine xmlns="" xmlns:a14="http://schemas.microsoft.com/office/drawing/2010/main" w="12700" cap="flat" cmpd="sng">
+              <a14:hiddenLine xmlns:a14="http://schemas.microsoft.com/office/drawing/2010/main" xmlns="" w="12700" cap="flat" cmpd="sng">
                 <a:solidFill>
                   <a:srgbClr val="000000"/>
                 </a:solidFill>
@@ -23044,7 +23318,7 @@
               </a14:hiddenLine>
             </a:ext>
             <a:ext uri="{AF507438-7753-43e0-B8FC-AC1667EBCBE1}">
-              <a14:hiddenEffects xmlns="" xmlns:a14="http://schemas.microsoft.com/office/drawing/2010/main">
+              <a14:hiddenEffects xmlns:a14="http://schemas.microsoft.com/office/drawing/2010/main" xmlns="">
                 <a:effectLst>
                   <a:outerShdw blurRad="63500" dist="38099" dir="2700000" algn="ctr" rotWithShape="0">
                     <a:srgbClr val="000000">
@@ -23230,7 +23504,7 @@
           <a:effectLst/>
           <a:extLst>
             <a:ext uri="{91240B29-F687-4f45-9708-019B960494DF}">
-              <a14:hiddenLine xmlns="" xmlns:a14="http://schemas.microsoft.com/office/drawing/2010/main" w="12700" cap="flat" cmpd="sng">
+              <a14:hiddenLine xmlns:a14="http://schemas.microsoft.com/office/drawing/2010/main" xmlns="" w="12700" cap="flat" cmpd="sng">
                 <a:solidFill>
                   <a:srgbClr val="000000"/>
                 </a:solidFill>
@@ -23241,7 +23515,7 @@
               </a14:hiddenLine>
             </a:ext>
             <a:ext uri="{AF507438-7753-43e0-B8FC-AC1667EBCBE1}">
-              <a14:hiddenEffects xmlns="" xmlns:a14="http://schemas.microsoft.com/office/drawing/2010/main">
+              <a14:hiddenEffects xmlns:a14="http://schemas.microsoft.com/office/drawing/2010/main" xmlns="">
                 <a:effectLst>
                   <a:outerShdw blurRad="63500" dist="38099" dir="2700000" algn="ctr" rotWithShape="0">
                     <a:srgbClr val="000000">
@@ -23387,7 +23661,7 @@
           <a:effectLst/>
           <a:extLst>
             <a:ext uri="{91240B29-F687-4f45-9708-019B960494DF}">
-              <a14:hiddenLine xmlns="" xmlns:a14="http://schemas.microsoft.com/office/drawing/2010/main" w="12700" cap="flat" cmpd="sng">
+              <a14:hiddenLine xmlns:a14="http://schemas.microsoft.com/office/drawing/2010/main" xmlns="" w="12700" cap="flat" cmpd="sng">
                 <a:solidFill>
                   <a:srgbClr val="000000"/>
                 </a:solidFill>
@@ -23398,7 +23672,7 @@
               </a14:hiddenLine>
             </a:ext>
             <a:ext uri="{AF507438-7753-43e0-B8FC-AC1667EBCBE1}">
-              <a14:hiddenEffects xmlns="" xmlns:a14="http://schemas.microsoft.com/office/drawing/2010/main">
+              <a14:hiddenEffects xmlns:a14="http://schemas.microsoft.com/office/drawing/2010/main" xmlns="">
                 <a:effectLst>
                   <a:outerShdw blurRad="63500" dist="38099" dir="2700000" algn="ctr" rotWithShape="0">
                     <a:srgbClr val="000000">
@@ -25716,7 +25990,7 @@
           <a:effectLst/>
           <a:extLst>
             <a:ext uri="{91240B29-F687-4f45-9708-019B960494DF}">
-              <a14:hiddenLine xmlns="" xmlns:a14="http://schemas.microsoft.com/office/drawing/2010/main" w="12700" cap="flat" cmpd="sng">
+              <a14:hiddenLine xmlns:a14="http://schemas.microsoft.com/office/drawing/2010/main" xmlns="" w="12700" cap="flat" cmpd="sng">
                 <a:solidFill>
                   <a:srgbClr val="000000"/>
                 </a:solidFill>
@@ -25727,7 +26001,7 @@
               </a14:hiddenLine>
             </a:ext>
             <a:ext uri="{AF507438-7753-43e0-B8FC-AC1667EBCBE1}">
-              <a14:hiddenEffects xmlns="" xmlns:a14="http://schemas.microsoft.com/office/drawing/2010/main">
+              <a14:hiddenEffects xmlns:a14="http://schemas.microsoft.com/office/drawing/2010/main" xmlns="">
                 <a:effectLst>
                   <a:outerShdw blurRad="63500" dist="38099" dir="2700000" algn="ctr" rotWithShape="0">
                     <a:srgbClr val="000000">
@@ -25860,7 +26134,7 @@
           <a:effectLst/>
           <a:extLst>
             <a:ext uri="{91240B29-F687-4f45-9708-019B960494DF}">
-              <a14:hiddenLine xmlns="" xmlns:a14="http://schemas.microsoft.com/office/drawing/2010/main" w="12700" cap="flat" cmpd="sng">
+              <a14:hiddenLine xmlns:a14="http://schemas.microsoft.com/office/drawing/2010/main" xmlns="" w="12700" cap="flat" cmpd="sng">
                 <a:solidFill>
                   <a:srgbClr val="000000"/>
                 </a:solidFill>
@@ -25871,7 +26145,7 @@
               </a14:hiddenLine>
             </a:ext>
             <a:ext uri="{AF507438-7753-43e0-B8FC-AC1667EBCBE1}">
-              <a14:hiddenEffects xmlns="" xmlns:a14="http://schemas.microsoft.com/office/drawing/2010/main">
+              <a14:hiddenEffects xmlns:a14="http://schemas.microsoft.com/office/drawing/2010/main" xmlns="">
                 <a:effectLst>
                   <a:outerShdw blurRad="63500" dist="38099" dir="2700000" algn="ctr" rotWithShape="0">
                     <a:srgbClr val="000000">
@@ -26230,7 +26504,7 @@
           <a:effectLst/>
           <a:extLst>
             <a:ext uri="{91240B29-F687-4f45-9708-019B960494DF}">
-              <a14:hiddenLine xmlns="" xmlns:a14="http://schemas.microsoft.com/office/drawing/2010/main" w="12700" cap="flat" cmpd="sng">
+              <a14:hiddenLine xmlns:a14="http://schemas.microsoft.com/office/drawing/2010/main" xmlns="" w="12700" cap="flat" cmpd="sng">
                 <a:solidFill>
                   <a:srgbClr val="000000"/>
                 </a:solidFill>
@@ -26241,7 +26515,7 @@
               </a14:hiddenLine>
             </a:ext>
             <a:ext uri="{AF507438-7753-43e0-B8FC-AC1667EBCBE1}">
-              <a14:hiddenEffects xmlns="" xmlns:a14="http://schemas.microsoft.com/office/drawing/2010/main">
+              <a14:hiddenEffects xmlns:a14="http://schemas.microsoft.com/office/drawing/2010/main" xmlns="">
                 <a:effectLst>
                   <a:outerShdw blurRad="63500" dist="38099" dir="2700000" algn="ctr" rotWithShape="0">
                     <a:srgbClr val="000000">
@@ -26374,7 +26648,7 @@
           <a:effectLst/>
           <a:extLst>
             <a:ext uri="{91240B29-F687-4f45-9708-019B960494DF}">
-              <a14:hiddenLine xmlns="" xmlns:a14="http://schemas.microsoft.com/office/drawing/2010/main" w="12700" cap="flat" cmpd="sng">
+              <a14:hiddenLine xmlns:a14="http://schemas.microsoft.com/office/drawing/2010/main" xmlns="" w="12700" cap="flat" cmpd="sng">
                 <a:solidFill>
                   <a:srgbClr val="000000"/>
                 </a:solidFill>
@@ -26385,7 +26659,7 @@
               </a14:hiddenLine>
             </a:ext>
             <a:ext uri="{AF507438-7753-43e0-B8FC-AC1667EBCBE1}">
-              <a14:hiddenEffects xmlns="" xmlns:a14="http://schemas.microsoft.com/office/drawing/2010/main">
+              <a14:hiddenEffects xmlns:a14="http://schemas.microsoft.com/office/drawing/2010/main" xmlns="">
                 <a:effectLst>
                   <a:outerShdw blurRad="63500" dist="38099" dir="2700000" algn="ctr" rotWithShape="0">
                     <a:srgbClr val="000000">
@@ -26843,7 +27117,7 @@
           <a:effectLst/>
           <a:extLst>
             <a:ext uri="{91240B29-F687-4f45-9708-019B960494DF}">
-              <a14:hiddenLine xmlns="" xmlns:a14="http://schemas.microsoft.com/office/drawing/2010/main" w="12700" cap="flat" cmpd="sng">
+              <a14:hiddenLine xmlns:a14="http://schemas.microsoft.com/office/drawing/2010/main" xmlns="" w="12700" cap="flat" cmpd="sng">
                 <a:solidFill>
                   <a:srgbClr val="000000"/>
                 </a:solidFill>
@@ -26854,7 +27128,7 @@
               </a14:hiddenLine>
             </a:ext>
             <a:ext uri="{AF507438-7753-43e0-B8FC-AC1667EBCBE1}">
-              <a14:hiddenEffects xmlns="" xmlns:a14="http://schemas.microsoft.com/office/drawing/2010/main">
+              <a14:hiddenEffects xmlns:a14="http://schemas.microsoft.com/office/drawing/2010/main" xmlns="">
                 <a:effectLst>
                   <a:outerShdw blurRad="63500" dist="38099" dir="2700000" algn="ctr" rotWithShape="0">
                     <a:srgbClr val="000000">
@@ -27099,7 +27373,7 @@
           <a:effectLst/>
           <a:extLst>
             <a:ext uri="{91240B29-F687-4f45-9708-019B960494DF}">
-              <a14:hiddenLine xmlns="" xmlns:a14="http://schemas.microsoft.com/office/drawing/2010/main" w="12700" cap="flat" cmpd="sng">
+              <a14:hiddenLine xmlns:a14="http://schemas.microsoft.com/office/drawing/2010/main" xmlns="" w="12700" cap="flat" cmpd="sng">
                 <a:solidFill>
                   <a:srgbClr val="000000"/>
                 </a:solidFill>
@@ -27110,7 +27384,7 @@
               </a14:hiddenLine>
             </a:ext>
             <a:ext uri="{AF507438-7753-43e0-B8FC-AC1667EBCBE1}">
-              <a14:hiddenEffects xmlns="" xmlns:a14="http://schemas.microsoft.com/office/drawing/2010/main">
+              <a14:hiddenEffects xmlns:a14="http://schemas.microsoft.com/office/drawing/2010/main" xmlns="">
                 <a:effectLst>
                   <a:outerShdw blurRad="63500" dist="38099" dir="2700000" algn="ctr" rotWithShape="0">
                     <a:srgbClr val="000000">
@@ -27256,7 +27530,7 @@
           <a:effectLst/>
           <a:extLst>
             <a:ext uri="{91240B29-F687-4f45-9708-019B960494DF}">
-              <a14:hiddenLine xmlns="" xmlns:a14="http://schemas.microsoft.com/office/drawing/2010/main" w="12700" cap="flat" cmpd="sng">
+              <a14:hiddenLine xmlns:a14="http://schemas.microsoft.com/office/drawing/2010/main" xmlns="" w="12700" cap="flat" cmpd="sng">
                 <a:solidFill>
                   <a:srgbClr val="000000"/>
                 </a:solidFill>
@@ -27267,7 +27541,7 @@
               </a14:hiddenLine>
             </a:ext>
             <a:ext uri="{AF507438-7753-43e0-B8FC-AC1667EBCBE1}">
-              <a14:hiddenEffects xmlns="" xmlns:a14="http://schemas.microsoft.com/office/drawing/2010/main">
+              <a14:hiddenEffects xmlns:a14="http://schemas.microsoft.com/office/drawing/2010/main" xmlns="">
                 <a:effectLst>
                   <a:outerShdw blurRad="63500" dist="38099" dir="2700000" algn="ctr" rotWithShape="0">
                     <a:srgbClr val="000000">
@@ -27635,7 +27909,7 @@
           <a:effectLst/>
           <a:extLst>
             <a:ext uri="{91240B29-F687-4f45-9708-019B960494DF}">
-              <a14:hiddenLine xmlns="" xmlns:a14="http://schemas.microsoft.com/office/drawing/2010/main" w="12700" cap="flat" cmpd="sng">
+              <a14:hiddenLine xmlns:a14="http://schemas.microsoft.com/office/drawing/2010/main" xmlns="" w="12700" cap="flat" cmpd="sng">
                 <a:solidFill>
                   <a:srgbClr val="000000"/>
                 </a:solidFill>
@@ -27646,7 +27920,7 @@
               </a14:hiddenLine>
             </a:ext>
             <a:ext uri="{AF507438-7753-43e0-B8FC-AC1667EBCBE1}">
-              <a14:hiddenEffects xmlns="" xmlns:a14="http://schemas.microsoft.com/office/drawing/2010/main">
+              <a14:hiddenEffects xmlns:a14="http://schemas.microsoft.com/office/drawing/2010/main" xmlns="">
                 <a:effectLst>
                   <a:outerShdw blurRad="63500" dist="38099" dir="2700000" algn="ctr" rotWithShape="0">
                     <a:srgbClr val="000000">
@@ -28093,7 +28367,7 @@
           <a:effectLst/>
           <a:extLst>
             <a:ext uri="{91240B29-F687-4f45-9708-019B960494DF}">
-              <a14:hiddenLine xmlns="" xmlns:a14="http://schemas.microsoft.com/office/drawing/2010/main" w="12700" cap="flat" cmpd="sng">
+              <a14:hiddenLine xmlns:a14="http://schemas.microsoft.com/office/drawing/2010/main" xmlns="" w="12700" cap="flat" cmpd="sng">
                 <a:solidFill>
                   <a:srgbClr val="000000"/>
                 </a:solidFill>
@@ -28104,7 +28378,7 @@
               </a14:hiddenLine>
             </a:ext>
             <a:ext uri="{AF507438-7753-43e0-B8FC-AC1667EBCBE1}">
-              <a14:hiddenEffects xmlns="" xmlns:a14="http://schemas.microsoft.com/office/drawing/2010/main">
+              <a14:hiddenEffects xmlns:a14="http://schemas.microsoft.com/office/drawing/2010/main" xmlns="">
                 <a:effectLst>
                   <a:outerShdw blurRad="63500" dist="38099" dir="2700000" algn="ctr" rotWithShape="0">
                     <a:srgbClr val="000000">
@@ -28280,7 +28554,7 @@
           <a:effectLst/>
           <a:extLst>
             <a:ext uri="{91240B29-F687-4f45-9708-019B960494DF}">
-              <a14:hiddenLine xmlns="" xmlns:a14="http://schemas.microsoft.com/office/drawing/2010/main" w="12700" cap="flat" cmpd="sng">
+              <a14:hiddenLine xmlns:a14="http://schemas.microsoft.com/office/drawing/2010/main" xmlns="" w="12700" cap="flat" cmpd="sng">
                 <a:solidFill>
                   <a:srgbClr val="000000"/>
                 </a:solidFill>
@@ -28291,7 +28565,7 @@
               </a14:hiddenLine>
             </a:ext>
             <a:ext uri="{AF507438-7753-43e0-B8FC-AC1667EBCBE1}">
-              <a14:hiddenEffects xmlns="" xmlns:a14="http://schemas.microsoft.com/office/drawing/2010/main">
+              <a14:hiddenEffects xmlns:a14="http://schemas.microsoft.com/office/drawing/2010/main" xmlns="">
                 <a:effectLst>
                   <a:outerShdw blurRad="63500" dist="38099" dir="2700000" algn="ctr" rotWithShape="0">
                     <a:srgbClr val="000000">
@@ -28464,7 +28738,7 @@
           <a:effectLst/>
           <a:extLst>
             <a:ext uri="{91240B29-F687-4f45-9708-019B960494DF}">
-              <a14:hiddenLine xmlns="" xmlns:a14="http://schemas.microsoft.com/office/drawing/2010/main" w="12700" cap="flat" cmpd="sng">
+              <a14:hiddenLine xmlns:a14="http://schemas.microsoft.com/office/drawing/2010/main" xmlns="" w="12700" cap="flat" cmpd="sng">
                 <a:solidFill>
                   <a:srgbClr val="000000"/>
                 </a:solidFill>
@@ -28475,7 +28749,7 @@
               </a14:hiddenLine>
             </a:ext>
             <a:ext uri="{AF507438-7753-43e0-B8FC-AC1667EBCBE1}">
-              <a14:hiddenEffects xmlns="" xmlns:a14="http://schemas.microsoft.com/office/drawing/2010/main">
+              <a14:hiddenEffects xmlns:a14="http://schemas.microsoft.com/office/drawing/2010/main" xmlns="">
                 <a:effectLst>
                   <a:outerShdw blurRad="63500" dist="38099" dir="2700000" algn="ctr" rotWithShape="0">
                     <a:srgbClr val="000000">
@@ -41301,7 +41575,7 @@
           <a:effectLst/>
           <a:extLst>
             <a:ext uri="{91240B29-F687-4f45-9708-019B960494DF}">
-              <a14:hiddenLine xmlns:a14="http://schemas.microsoft.com/office/drawing/2010/main" xmlns="" w="9525" cap="flat">
+              <a14:hiddenLine xmlns="" xmlns:a14="http://schemas.microsoft.com/office/drawing/2010/main" w="9525" cap="flat">
                 <a:solidFill>
                   <a:srgbClr val="808080"/>
                 </a:solidFill>
@@ -41311,7 +41585,7 @@
               </a14:hiddenLine>
             </a:ext>
             <a:ext uri="{AF507438-7753-43e0-B8FC-AC1667EBCBE1}">
-              <a14:hiddenEffects xmlns:a14="http://schemas.microsoft.com/office/drawing/2010/main" xmlns="">
+              <a14:hiddenEffects xmlns="" xmlns:a14="http://schemas.microsoft.com/office/drawing/2010/main">
                 <a:effectLst>
                   <a:outerShdw blurRad="63500" dist="38099" dir="2700000" algn="ctr" rotWithShape="0">
                     <a:srgbClr val="000000">
@@ -41806,7 +42080,7 @@
           <a:effectLst/>
           <a:extLst>
             <a:ext uri="{91240B29-F687-4f45-9708-019B960494DF}">
-              <a14:hiddenLine xmlns:a14="http://schemas.microsoft.com/office/drawing/2010/main" xmlns="" w="9525" cap="flat">
+              <a14:hiddenLine xmlns="" xmlns:a14="http://schemas.microsoft.com/office/drawing/2010/main" w="9525" cap="flat">
                 <a:solidFill>
                   <a:srgbClr val="808080"/>
                 </a:solidFill>
@@ -41816,7 +42090,7 @@
               </a14:hiddenLine>
             </a:ext>
             <a:ext uri="{AF507438-7753-43e0-B8FC-AC1667EBCBE1}">
-              <a14:hiddenEffects xmlns:a14="http://schemas.microsoft.com/office/drawing/2010/main" xmlns="">
+              <a14:hiddenEffects xmlns="" xmlns:a14="http://schemas.microsoft.com/office/drawing/2010/main">
                 <a:effectLst>
                   <a:outerShdw blurRad="63500" dist="38099" dir="2700000" algn="ctr" rotWithShape="0">
                     <a:srgbClr val="000000">
@@ -42765,7 +43039,7 @@
           <a:effectLst/>
           <a:extLst>
             <a:ext uri="{91240B29-F687-4f45-9708-019B960494DF}">
-              <a14:hiddenLine xmlns:a14="http://schemas.microsoft.com/office/drawing/2010/main" xmlns="" w="9525" cap="flat">
+              <a14:hiddenLine xmlns="" xmlns:a14="http://schemas.microsoft.com/office/drawing/2010/main" w="9525" cap="flat">
                 <a:solidFill>
                   <a:srgbClr val="808080"/>
                 </a:solidFill>
@@ -42775,7 +43049,7 @@
               </a14:hiddenLine>
             </a:ext>
             <a:ext uri="{AF507438-7753-43e0-B8FC-AC1667EBCBE1}">
-              <a14:hiddenEffects xmlns:a14="http://schemas.microsoft.com/office/drawing/2010/main" xmlns="">
+              <a14:hiddenEffects xmlns="" xmlns:a14="http://schemas.microsoft.com/office/drawing/2010/main">
                 <a:effectLst>
                   <a:outerShdw blurRad="63500" dist="38099" dir="2700000" algn="ctr" rotWithShape="0">
                     <a:srgbClr val="000000">
